--- a/classes/stats2015/Lecture9.pptx
+++ b/classes/stats2015/Lecture9.pptx
@@ -303,7 +303,7 @@
             <a:fld id="{1D8BD707-D9CF-40AE-B4C6-C98DA3205C09}" type="datetimeFigureOut">
               <a:rPr lang="en-US" smtClean="0"/>
               <a:pPr/>
-              <a:t>2/15/2015</a:t>
+              <a:t>2/23/2015</a:t>
             </a:fld>
             <a:endParaRPr lang="en-US"/>
           </a:p>
@@ -470,7 +470,7 @@
             <a:fld id="{1D8BD707-D9CF-40AE-B4C6-C98DA3205C09}" type="datetimeFigureOut">
               <a:rPr lang="en-US" smtClean="0"/>
               <a:pPr/>
-              <a:t>2/15/2015</a:t>
+              <a:t>2/23/2015</a:t>
             </a:fld>
             <a:endParaRPr lang="en-US"/>
           </a:p>
@@ -647,7 +647,7 @@
             <a:fld id="{1D8BD707-D9CF-40AE-B4C6-C98DA3205C09}" type="datetimeFigureOut">
               <a:rPr lang="en-US" smtClean="0"/>
               <a:pPr/>
-              <a:t>2/15/2015</a:t>
+              <a:t>2/23/2015</a:t>
             </a:fld>
             <a:endParaRPr lang="en-US"/>
           </a:p>
@@ -814,7 +814,7 @@
             <a:fld id="{1D8BD707-D9CF-40AE-B4C6-C98DA3205C09}" type="datetimeFigureOut">
               <a:rPr lang="en-US" smtClean="0"/>
               <a:pPr/>
-              <a:t>2/15/2015</a:t>
+              <a:t>2/23/2015</a:t>
             </a:fld>
             <a:endParaRPr lang="en-US"/>
           </a:p>
@@ -1057,7 +1057,7 @@
             <a:fld id="{1D8BD707-D9CF-40AE-B4C6-C98DA3205C09}" type="datetimeFigureOut">
               <a:rPr lang="en-US" smtClean="0"/>
               <a:pPr/>
-              <a:t>2/15/2015</a:t>
+              <a:t>2/23/2015</a:t>
             </a:fld>
             <a:endParaRPr lang="en-US"/>
           </a:p>
@@ -1342,7 +1342,7 @@
             <a:fld id="{1D8BD707-D9CF-40AE-B4C6-C98DA3205C09}" type="datetimeFigureOut">
               <a:rPr lang="en-US" smtClean="0"/>
               <a:pPr/>
-              <a:t>2/15/2015</a:t>
+              <a:t>2/23/2015</a:t>
             </a:fld>
             <a:endParaRPr lang="en-US"/>
           </a:p>
@@ -1761,7 +1761,7 @@
             <a:fld id="{1D8BD707-D9CF-40AE-B4C6-C98DA3205C09}" type="datetimeFigureOut">
               <a:rPr lang="en-US" smtClean="0"/>
               <a:pPr/>
-              <a:t>2/15/2015</a:t>
+              <a:t>2/23/2015</a:t>
             </a:fld>
             <a:endParaRPr lang="en-US"/>
           </a:p>
@@ -1876,7 +1876,7 @@
             <a:fld id="{1D8BD707-D9CF-40AE-B4C6-C98DA3205C09}" type="datetimeFigureOut">
               <a:rPr lang="en-US" smtClean="0"/>
               <a:pPr/>
-              <a:t>2/15/2015</a:t>
+              <a:t>2/23/2015</a:t>
             </a:fld>
             <a:endParaRPr lang="en-US"/>
           </a:p>
@@ -1968,7 +1968,7 @@
             <a:fld id="{1D8BD707-D9CF-40AE-B4C6-C98DA3205C09}" type="datetimeFigureOut">
               <a:rPr lang="en-US" smtClean="0"/>
               <a:pPr/>
-              <a:t>2/15/2015</a:t>
+              <a:t>2/23/2015</a:t>
             </a:fld>
             <a:endParaRPr lang="en-US"/>
           </a:p>
@@ -2242,7 +2242,7 @@
             <a:fld id="{1D8BD707-D9CF-40AE-B4C6-C98DA3205C09}" type="datetimeFigureOut">
               <a:rPr lang="en-US" smtClean="0"/>
               <a:pPr/>
-              <a:t>2/15/2015</a:t>
+              <a:t>2/23/2015</a:t>
             </a:fld>
             <a:endParaRPr lang="en-US"/>
           </a:p>
@@ -2492,7 +2492,7 @@
             <a:fld id="{1D8BD707-D9CF-40AE-B4C6-C98DA3205C09}" type="datetimeFigureOut">
               <a:rPr lang="en-US" smtClean="0"/>
               <a:pPr/>
-              <a:t>2/15/2015</a:t>
+              <a:t>2/23/2015</a:t>
             </a:fld>
             <a:endParaRPr lang="en-US"/>
           </a:p>
@@ -2702,7 +2702,7 @@
             <a:fld id="{1D8BD707-D9CF-40AE-B4C6-C98DA3205C09}" type="datetimeFigureOut">
               <a:rPr lang="en-US" smtClean="0"/>
               <a:pPr/>
-              <a:t>2/15/2015</a:t>
+              <a:t>2/23/2015</a:t>
             </a:fld>
             <a:endParaRPr lang="en-US"/>
           </a:p>
@@ -3240,8 +3240,8 @@
         </p:blipFill>
         <p:spPr bwMode="auto">
           <a:xfrm>
-            <a:off x="2471413" y="0"/>
-            <a:ext cx="6596387" cy="6858000"/>
+            <a:off x="2362200" y="0"/>
+            <a:ext cx="6324600" cy="6575434"/>
           </a:xfrm>
           <a:prstGeom prst="rect">
             <a:avLst/>
@@ -3305,7 +3305,7 @@
         </p:nvCxnSpPr>
         <p:spPr>
           <a:xfrm>
-            <a:off x="2133600" y="3429000"/>
+            <a:off x="2057400" y="3276600"/>
             <a:ext cx="533400" cy="304800"/>
           </a:xfrm>
           <a:prstGeom prst="straightConnector1">
@@ -3338,7 +3338,7 @@
         </p:nvSpPr>
         <p:spPr>
           <a:xfrm>
-            <a:off x="76200" y="2819400"/>
+            <a:off x="0" y="2667000"/>
             <a:ext cx="2589683" cy="646331"/>
           </a:xfrm>
           <a:prstGeom prst="rect">
@@ -3426,6 +3426,35 @@
               <a:t>This is two-sided test </a:t>
             </a:r>
             <a:endParaRPr lang="en-US" dirty="0"/>
+          </a:p>
+        </p:txBody>
+      </p:sp>
+      <p:sp>
+        <p:nvSpPr>
+          <p:cNvPr id="9" name="Rectangle 8"/>
+          <p:cNvSpPr/>
+          <p:nvPr/>
+        </p:nvSpPr>
+        <p:spPr>
+          <a:xfrm>
+            <a:off x="152400" y="6581001"/>
+            <a:ext cx="10744200" cy="276999"/>
+          </a:xfrm>
+          <a:prstGeom prst="rect">
+            <a:avLst/>
+          </a:prstGeom>
+        </p:spPr>
+        <p:txBody>
+          <a:bodyPr wrap="square">
+            <a:spAutoFit/>
+          </a:bodyPr>
+          <a:lstStyle/>
+          <a:p>
+            <a:r>
+              <a:rPr lang="en-US" sz="1200" dirty="0" smtClean="0"/>
+              <a:t>https://github.com/afodor/metagenomicsTools/blob/master/src/classExamples/simDist/NegativeBinomialWithNormalBasedSampling.txt</a:t>
+            </a:r>
+            <a:endParaRPr lang="en-US" sz="1200" dirty="0"/>
           </a:p>
         </p:txBody>
       </p:sp>
@@ -3487,23 +3516,7 @@
           <a:p>
             <a:r>
               <a:rPr lang="en-US" dirty="0" smtClean="0"/>
-              <a:t>	so the expected number of wins </a:t>
-            </a:r>
-            <a:r>
-              <a:rPr lang="en-US" dirty="0" smtClean="0"/>
-              <a:t>= (1-p)* r / p</a:t>
-            </a:r>
-            <a:r>
-              <a:rPr lang="en-US" dirty="0" smtClean="0"/>
-              <a:t> = .9*1002 / 0.1 </a:t>
-            </a:r>
-            <a:r>
-              <a:rPr lang="en-US" dirty="0" smtClean="0"/>
-              <a:t>= </a:t>
-            </a:r>
-            <a:r>
-              <a:rPr lang="en-US" dirty="0" smtClean="0"/>
-              <a:t>9018</a:t>
+              <a:t>	so the expected number of wins = (1-p)* r / p = .9*1002 / 0.1 = 9018</a:t>
             </a:r>
           </a:p>
           <a:p>
@@ -3707,23 +3720,7 @@
           <a:p>
             <a:r>
               <a:rPr lang="en-US" dirty="0" smtClean="0"/>
-              <a:t>	so the expected number of wins </a:t>
-            </a:r>
-            <a:r>
-              <a:rPr lang="en-US" dirty="0" smtClean="0"/>
-              <a:t>= (1-p)* r / p</a:t>
-            </a:r>
-            <a:r>
-              <a:rPr lang="en-US" dirty="0" smtClean="0"/>
-              <a:t> = .9*1002 / 0.1 </a:t>
-            </a:r>
-            <a:r>
-              <a:rPr lang="en-US" dirty="0" smtClean="0"/>
-              <a:t>= </a:t>
-            </a:r>
-            <a:r>
-              <a:rPr lang="en-US" dirty="0" smtClean="0"/>
-              <a:t>9018</a:t>
+              <a:t>	so the expected number of wins = (1-p)* r / p = .9*1002 / 0.1 = 9018</a:t>
             </a:r>
           </a:p>
           <a:p>
@@ -4210,31 +4207,19 @@
           <a:p>
             <a:r>
               <a:rPr lang="en-US" dirty="0" smtClean="0"/>
-              <a:t>	</a:t>
-            </a:r>
+              <a:t>		</a:t>
+            </a:r>
+          </a:p>
+          <a:p>
             <a:r>
               <a:rPr lang="en-US" dirty="0" smtClean="0"/>
-              <a:t>	</a:t>
+              <a:t>		mean = variance =</a:t>
             </a:r>
           </a:p>
           <a:p>
             <a:r>
               <a:rPr lang="en-US" dirty="0" smtClean="0"/>
-              <a:t>	</a:t>
-            </a:r>
-            <a:r>
-              <a:rPr lang="en-US" dirty="0" smtClean="0"/>
-              <a:t>	mean = variance =</a:t>
-            </a:r>
-          </a:p>
-          <a:p>
-            <a:r>
-              <a:rPr lang="en-US" dirty="0" smtClean="0"/>
-              <a:t>	</a:t>
-            </a:r>
-            <a:r>
-              <a:rPr lang="en-US" dirty="0" smtClean="0"/>
-              <a:t>	</a:t>
+              <a:t>		</a:t>
             </a:r>
             <a:r>
               <a:rPr lang="en-US" dirty="0" err="1" smtClean="0"/>
@@ -4272,11 +4257,7 @@
           <a:p>
             <a:r>
               <a:rPr lang="en-US" dirty="0" smtClean="0"/>
-              <a:t>	</a:t>
-            </a:r>
-            <a:r>
-              <a:rPr lang="en-US" dirty="0" smtClean="0"/>
-              <a:t>	p = </a:t>
+              <a:t>		p = </a:t>
             </a:r>
             <a:r>
               <a:rPr lang="en-US" dirty="0" err="1" smtClean="0"/>
@@ -4290,11 +4271,7 @@
           <a:p>
             <a:r>
               <a:rPr lang="en-US" dirty="0" smtClean="0"/>
-              <a:t>	</a:t>
-            </a:r>
-            <a:r>
-              <a:rPr lang="en-US" dirty="0" smtClean="0"/>
-              <a:t>	r = # of losses before you are removed from the tournament</a:t>
+              <a:t>		r = # of losses before you are removed from the tournament</a:t>
             </a:r>
           </a:p>
           <a:p>
@@ -4309,21 +4286,13 @@
           <a:p>
             <a:r>
               <a:rPr lang="en-US" dirty="0" smtClean="0"/>
-              <a:t>	</a:t>
-            </a:r>
+              <a:t>		variance = (1-p) * r / p * p</a:t>
+            </a:r>
+          </a:p>
+          <a:p>
             <a:r>
               <a:rPr lang="en-US" dirty="0" smtClean="0"/>
-              <a:t>	variance = (1-p) * r / p * p</a:t>
-            </a:r>
-          </a:p>
-          <a:p>
-            <a:r>
-              <a:rPr lang="en-US" dirty="0" smtClean="0"/>
-              <a:t>	</a:t>
-            </a:r>
-            <a:r>
-              <a:rPr lang="en-US" dirty="0" smtClean="0"/>
-              <a:t>	</a:t>
+              <a:t>		</a:t>
             </a:r>
             <a:endParaRPr lang="en-US" dirty="0"/>
           </a:p>
@@ -4520,7 +4489,7 @@
         </p:blipFill>
         <p:spPr bwMode="auto">
           <a:xfrm>
-            <a:off x="152400" y="457200"/>
+            <a:off x="0" y="457200"/>
             <a:ext cx="8852263" cy="5791200"/>
           </a:xfrm>
           <a:prstGeom prst="rect">
@@ -4535,35 +4504,6 @@
           </a:ln>
         </p:spPr>
       </p:pic>
-      <p:sp>
-        <p:nvSpPr>
-          <p:cNvPr id="5" name="Rectangle 4"/>
-          <p:cNvSpPr/>
-          <p:nvPr/>
-        </p:nvSpPr>
-        <p:spPr>
-          <a:xfrm>
-            <a:off x="3048000" y="6611779"/>
-            <a:ext cx="8915400" cy="246221"/>
-          </a:xfrm>
-          <a:prstGeom prst="rect">
-            <a:avLst/>
-          </a:prstGeom>
-        </p:spPr>
-        <p:txBody>
-          <a:bodyPr wrap="square">
-            <a:spAutoFit/>
-          </a:bodyPr>
-          <a:lstStyle/>
-          <a:p>
-            <a:r>
-              <a:rPr lang="en-US" sz="1000" dirty="0" smtClean="0"/>
-              <a:t>https://github.com/afodor/metagenomicsTools/blob/master/src/classExamples/simDist/Poisson.txt</a:t>
-            </a:r>
-            <a:endParaRPr lang="en-US" sz="1000" dirty="0"/>
-          </a:p>
-        </p:txBody>
-      </p:sp>
       <p:sp>
         <p:nvSpPr>
           <p:cNvPr id="12" name="TextBox 11"/>
@@ -4748,6 +4688,35 @@
               <a:t>Just a two-sided Poisson test</a:t>
             </a:r>
             <a:endParaRPr lang="en-US" dirty="0"/>
+          </a:p>
+        </p:txBody>
+      </p:sp>
+      <p:sp>
+        <p:nvSpPr>
+          <p:cNvPr id="9" name="Rectangle 8"/>
+          <p:cNvSpPr/>
+          <p:nvPr/>
+        </p:nvSpPr>
+        <p:spPr>
+          <a:xfrm>
+            <a:off x="152400" y="6276201"/>
+            <a:ext cx="12039600" cy="276999"/>
+          </a:xfrm>
+          <a:prstGeom prst="rect">
+            <a:avLst/>
+          </a:prstGeom>
+        </p:spPr>
+        <p:txBody>
+          <a:bodyPr wrap="square">
+            <a:spAutoFit/>
+          </a:bodyPr>
+          <a:lstStyle/>
+          <a:p>
+            <a:r>
+              <a:rPr lang="en-US" sz="1200" dirty="0" smtClean="0"/>
+              <a:t>https://github.com/afodor/metagenomicsTools/blob/master/src/classExamples/simDist/PoissonWithNormalBasedSampling.txt</a:t>
+            </a:r>
+            <a:endParaRPr lang="en-US" sz="1200" dirty="0"/>
           </a:p>
         </p:txBody>
       </p:sp>
